--- a/classes/so2015/quantReview_DD.pptx
+++ b/classes/so2015/quantReview_DD.pptx
@@ -16,6 +16,7 @@
     <p:sldId id="264" r:id="rId10"/>
     <p:sldId id="265" r:id="rId11"/>
     <p:sldId id="266" r:id="rId12"/>
+    <p:sldId id="267" r:id="rId13"/>
   </p:sldIdLst>
   <p:sldSz cx="9144000" cy="6858000" type="screen4x3"/>
   <p:notesSz cx="6858000" cy="9144000"/>
@@ -3078,7 +3079,7 @@
         <p:spPr>
           <a:xfrm>
             <a:off x="914400" y="457200"/>
-            <a:ext cx="5823197" cy="369332"/>
+            <a:ext cx="6713056" cy="369332"/>
           </a:xfrm>
           <a:prstGeom prst="rect">
             <a:avLst/>
@@ -3093,7 +3094,7 @@
           <a:p>
             <a:r>
               <a:rPr lang="en-US" dirty="0" smtClean="0"/>
-              <a:t>Disease detectives – review of basic algebraic manipulations</a:t>
+              <a:t>Disease detectives – Attack rate, relative rate , odds ratio, case fatality</a:t>
             </a:r>
             <a:endParaRPr lang="en-US" dirty="0"/>
           </a:p>
@@ -3592,11 +3593,7 @@
           <a:p>
             <a:r>
               <a:rPr lang="en-US" dirty="0" smtClean="0"/>
-              <a:t>	</a:t>
-            </a:r>
-            <a:r>
-              <a:rPr lang="en-US" dirty="0" smtClean="0"/>
-              <a:t>= 40 / 20  =  2</a:t>
+              <a:t>	= 40 / 20  =  2</a:t>
             </a:r>
           </a:p>
           <a:p>
@@ -3659,11 +3656,7 @@
           <a:p>
             <a:r>
               <a:rPr lang="en-US" dirty="0" smtClean="0"/>
-              <a:t>	</a:t>
-            </a:r>
-            <a:r>
-              <a:rPr lang="en-US" dirty="0" smtClean="0"/>
-              <a:t>= (40 * 110 ) / (10 *20 )  = 22 </a:t>
+              <a:t>	= (40 * 110 ) / (10 *20 )  = 22 </a:t>
             </a:r>
             <a:endParaRPr lang="en-US" dirty="0"/>
           </a:p>
@@ -4443,6 +4436,297 @@
               <a:t>*</a:t>
             </a:r>
             <a:endParaRPr lang="en-US" dirty="0"/>
+          </a:p>
+        </p:txBody>
+      </p:sp>
+      <p:sp>
+        <p:nvSpPr>
+          <p:cNvPr id="39" name="Rectangle 38"/>
+          <p:cNvSpPr/>
+          <p:nvPr/>
+        </p:nvSpPr>
+        <p:spPr>
+          <a:xfrm>
+            <a:off x="4419600" y="4431268"/>
+            <a:ext cx="2940228" cy="369332"/>
+          </a:xfrm>
+          <a:prstGeom prst="rect">
+            <a:avLst/>
+          </a:prstGeom>
+        </p:spPr>
+        <p:txBody>
+          <a:bodyPr wrap="none">
+            <a:spAutoFit/>
+          </a:bodyPr>
+          <a:lstStyle/>
+          <a:p>
+            <a:r>
+              <a:rPr lang="en-US" smtClean="0"/>
+              <a:t>= (40 * 110 ) / (10 *20 )  = 22 </a:t>
+            </a:r>
+            <a:endParaRPr lang="en-US"/>
+          </a:p>
+        </p:txBody>
+      </p:sp>
+    </p:spTree>
+  </p:cSld>
+  <p:clrMapOvr>
+    <a:masterClrMapping/>
+  </p:clrMapOvr>
+</p:sld>
+</file>
+
+<file path=ppt/slides/slide12.xml><?xml version="1.0" encoding="utf-8"?>
+<p:sld xmlns:a="http://schemas.openxmlformats.org/drawingml/2006/main" xmlns:r="http://schemas.openxmlformats.org/officeDocument/2006/relationships" xmlns:p="http://schemas.openxmlformats.org/presentationml/2006/main">
+  <p:cSld>
+    <p:spTree>
+      <p:nvGrpSpPr>
+        <p:cNvPr id="1" name=""/>
+        <p:cNvGrpSpPr/>
+        <p:nvPr/>
+      </p:nvGrpSpPr>
+      <p:grpSpPr>
+        <a:xfrm>
+          <a:off x="0" y="0"/>
+          <a:ext cx="0" cy="0"/>
+          <a:chOff x="0" y="0"/>
+          <a:chExt cx="0" cy="0"/>
+        </a:xfrm>
+      </p:grpSpPr>
+      <p:sp>
+        <p:nvSpPr>
+          <p:cNvPr id="4" name="TextBox 3"/>
+          <p:cNvSpPr txBox="1"/>
+          <p:nvPr/>
+        </p:nvSpPr>
+        <p:spPr>
+          <a:xfrm>
+            <a:off x="685800" y="457200"/>
+            <a:ext cx="5972148" cy="923330"/>
+          </a:xfrm>
+          <a:prstGeom prst="rect">
+            <a:avLst/>
+          </a:prstGeom>
+          <a:noFill/>
+        </p:spPr>
+        <p:txBody>
+          <a:bodyPr wrap="none" rtlCol="0">
+            <a:spAutoFit/>
+          </a:bodyPr>
+          <a:lstStyle/>
+          <a:p>
+            <a:r>
+              <a:rPr lang="en-US" dirty="0" smtClean="0"/>
+              <a:t>Case fatality rate:</a:t>
+            </a:r>
+          </a:p>
+          <a:p>
+            <a:endParaRPr lang="en-US" dirty="0" smtClean="0"/>
+          </a:p>
+          <a:p>
+            <a:r>
+              <a:rPr lang="en-US" dirty="0" smtClean="0"/>
+              <a:t>	The ratio of people with the disease who die from it</a:t>
+            </a:r>
+            <a:endParaRPr lang="en-US" dirty="0"/>
+          </a:p>
+        </p:txBody>
+      </p:sp>
+      <p:graphicFrame>
+        <p:nvGraphicFramePr>
+          <p:cNvPr id="5" name="Table 4"/>
+          <p:cNvGraphicFramePr>
+            <a:graphicFrameLocks noGrp="1"/>
+          </p:cNvGraphicFramePr>
+          <p:nvPr/>
+        </p:nvGraphicFramePr>
+        <p:xfrm>
+          <a:off x="762000" y="1828800"/>
+          <a:ext cx="7391400" cy="1112520"/>
+        </p:xfrm>
+        <a:graphic>
+          <a:graphicData uri="http://schemas.openxmlformats.org/drawingml/2006/table">
+            <a:tbl>
+              <a:tblPr firstRow="1" bandRow="1">
+                <a:tableStyleId>{5C22544A-7EE6-4342-B048-85BDC9FD1C3A}</a:tableStyleId>
+              </a:tblPr>
+              <a:tblGrid>
+                <a:gridCol w="2463800"/>
+                <a:gridCol w="1955800"/>
+                <a:gridCol w="2971800"/>
+              </a:tblGrid>
+              <a:tr h="370840">
+                <a:tc>
+                  <a:txBody>
+                    <a:bodyPr/>
+                    <a:lstStyle/>
+                    <a:p>
+                      <a:endParaRPr lang="en-US" dirty="0"/>
+                    </a:p>
+                  </a:txBody>
+                  <a:tcPr/>
+                </a:tc>
+                <a:tc>
+                  <a:txBody>
+                    <a:bodyPr/>
+                    <a:lstStyle/>
+                    <a:p>
+                      <a:r>
+                        <a:rPr lang="en-US" dirty="0" smtClean="0"/>
+                        <a:t>Got sick (case)</a:t>
+                      </a:r>
+                      <a:endParaRPr lang="en-US" dirty="0"/>
+                    </a:p>
+                  </a:txBody>
+                  <a:tcPr/>
+                </a:tc>
+                <a:tc>
+                  <a:txBody>
+                    <a:bodyPr/>
+                    <a:lstStyle/>
+                    <a:p>
+                      <a:r>
+                        <a:rPr lang="en-US" dirty="0" smtClean="0"/>
+                        <a:t>Did not get sick (control)</a:t>
+                      </a:r>
+                      <a:endParaRPr lang="en-US" dirty="0"/>
+                    </a:p>
+                  </a:txBody>
+                  <a:tcPr/>
+                </a:tc>
+              </a:tr>
+              <a:tr h="370840">
+                <a:tc>
+                  <a:txBody>
+                    <a:bodyPr/>
+                    <a:lstStyle/>
+                    <a:p>
+                      <a:r>
+                        <a:rPr lang="en-US" dirty="0" smtClean="0"/>
+                        <a:t>Attended</a:t>
+                      </a:r>
+                      <a:r>
+                        <a:rPr lang="en-US" baseline="0" dirty="0" smtClean="0"/>
+                        <a:t> the fair</a:t>
+                      </a:r>
+                      <a:endParaRPr lang="en-US" dirty="0"/>
+                    </a:p>
+                  </a:txBody>
+                  <a:tcPr/>
+                </a:tc>
+                <a:tc>
+                  <a:txBody>
+                    <a:bodyPr/>
+                    <a:lstStyle/>
+                    <a:p>
+                      <a:r>
+                        <a:rPr lang="en-US" dirty="0" smtClean="0"/>
+                        <a:t>40</a:t>
+                      </a:r>
+                      <a:endParaRPr lang="en-US" dirty="0"/>
+                    </a:p>
+                  </a:txBody>
+                  <a:tcPr/>
+                </a:tc>
+                <a:tc>
+                  <a:txBody>
+                    <a:bodyPr/>
+                    <a:lstStyle/>
+                    <a:p>
+                      <a:r>
+                        <a:rPr lang="en-US" dirty="0" smtClean="0"/>
+                        <a:t>20</a:t>
+                      </a:r>
+                      <a:endParaRPr lang="en-US" dirty="0"/>
+                    </a:p>
+                  </a:txBody>
+                  <a:tcPr/>
+                </a:tc>
+              </a:tr>
+              <a:tr h="370840">
+                <a:tc>
+                  <a:txBody>
+                    <a:bodyPr/>
+                    <a:lstStyle/>
+                    <a:p>
+                      <a:r>
+                        <a:rPr lang="en-US" dirty="0" smtClean="0"/>
+                        <a:t>Did not attend the fair</a:t>
+                      </a:r>
+                      <a:endParaRPr lang="en-US" dirty="0"/>
+                    </a:p>
+                  </a:txBody>
+                  <a:tcPr/>
+                </a:tc>
+                <a:tc>
+                  <a:txBody>
+                    <a:bodyPr/>
+                    <a:lstStyle/>
+                    <a:p>
+                      <a:r>
+                        <a:rPr lang="en-US" dirty="0" smtClean="0"/>
+                        <a:t>10</a:t>
+                      </a:r>
+                      <a:endParaRPr lang="en-US" dirty="0"/>
+                    </a:p>
+                  </a:txBody>
+                  <a:tcPr/>
+                </a:tc>
+                <a:tc>
+                  <a:txBody>
+                    <a:bodyPr/>
+                    <a:lstStyle/>
+                    <a:p>
+                      <a:r>
+                        <a:rPr lang="en-US" dirty="0" smtClean="0"/>
+                        <a:t>110</a:t>
+                      </a:r>
+                      <a:endParaRPr lang="en-US" dirty="0"/>
+                    </a:p>
+                  </a:txBody>
+                  <a:tcPr/>
+                </a:tc>
+              </a:tr>
+            </a:tbl>
+          </a:graphicData>
+        </a:graphic>
+      </p:graphicFrame>
+      <p:sp>
+        <p:nvSpPr>
+          <p:cNvPr id="6" name="TextBox 5"/>
+          <p:cNvSpPr txBox="1"/>
+          <p:nvPr/>
+        </p:nvSpPr>
+        <p:spPr>
+          <a:xfrm>
+            <a:off x="990600" y="3581400"/>
+            <a:ext cx="5976251" cy="923330"/>
+          </a:xfrm>
+          <a:prstGeom prst="rect">
+            <a:avLst/>
+          </a:prstGeom>
+          <a:noFill/>
+        </p:spPr>
+        <p:txBody>
+          <a:bodyPr wrap="none" rtlCol="0">
+            <a:spAutoFit/>
+          </a:bodyPr>
+          <a:lstStyle/>
+          <a:p>
+            <a:r>
+              <a:rPr lang="en-US" dirty="0" smtClean="0"/>
+              <a:t>Of the people who got sick, 25 died.  What is the fatality rate?</a:t>
+            </a:r>
+          </a:p>
+          <a:p>
+            <a:endParaRPr lang="en-US" dirty="0" smtClean="0"/>
+          </a:p>
+          <a:p>
+            <a:r>
+              <a:rPr lang="en-US" smtClean="0"/>
+              <a:t>	25 / (40 + 10 )  = 0.5</a:t>
+            </a:r>
+            <a:endParaRPr lang="en-US"/>
           </a:p>
         </p:txBody>
       </p:sp>
@@ -6396,11 +6680,7 @@
           <a:p>
             <a:r>
               <a:rPr lang="en-US" dirty="0" smtClean="0"/>
-              <a:t>	</a:t>
-            </a:r>
-            <a:r>
-              <a:rPr lang="en-US" dirty="0" smtClean="0"/>
-              <a:t>= 40 / 20  =  2</a:t>
+              <a:t>	= 40 / 20  =  2</a:t>
             </a:r>
           </a:p>
           <a:p>

--- a/classes/so2015/quantReview_DD.pptx
+++ b/classes/so2015/quantReview_DD.pptx
@@ -4723,10 +4723,10 @@
           </a:p>
           <a:p>
             <a:r>
-              <a:rPr lang="en-US" smtClean="0"/>
+              <a:rPr lang="en-US" dirty="0" smtClean="0"/>
               <a:t>	25 / (40 + 10 )  = 0.5</a:t>
             </a:r>
-            <a:endParaRPr lang="en-US"/>
+            <a:endParaRPr lang="en-US" dirty="0"/>
           </a:p>
         </p:txBody>
       </p:sp>

--- a/classes/so2015/quantReview_DD.pptx
+++ b/classes/so2015/quantReview_DD.pptx
@@ -300,7 +300,7 @@
             <a:fld id="{1D8BD707-D9CF-40AE-B4C6-C98DA3205C09}" type="datetimeFigureOut">
               <a:rPr lang="en-US" smtClean="0"/>
               <a:pPr/>
-              <a:t>9/25/2015</a:t>
+              <a:t>9/26/2015</a:t>
             </a:fld>
             <a:endParaRPr lang="en-US"/>
           </a:p>
@@ -467,7 +467,7 @@
             <a:fld id="{1D8BD707-D9CF-40AE-B4C6-C98DA3205C09}" type="datetimeFigureOut">
               <a:rPr lang="en-US" smtClean="0"/>
               <a:pPr/>
-              <a:t>9/25/2015</a:t>
+              <a:t>9/26/2015</a:t>
             </a:fld>
             <a:endParaRPr lang="en-US"/>
           </a:p>
@@ -644,7 +644,7 @@
             <a:fld id="{1D8BD707-D9CF-40AE-B4C6-C98DA3205C09}" type="datetimeFigureOut">
               <a:rPr lang="en-US" smtClean="0"/>
               <a:pPr/>
-              <a:t>9/25/2015</a:t>
+              <a:t>9/26/2015</a:t>
             </a:fld>
             <a:endParaRPr lang="en-US"/>
           </a:p>
@@ -811,7 +811,7 @@
             <a:fld id="{1D8BD707-D9CF-40AE-B4C6-C98DA3205C09}" type="datetimeFigureOut">
               <a:rPr lang="en-US" smtClean="0"/>
               <a:pPr/>
-              <a:t>9/25/2015</a:t>
+              <a:t>9/26/2015</a:t>
             </a:fld>
             <a:endParaRPr lang="en-US"/>
           </a:p>
@@ -1054,7 +1054,7 @@
             <a:fld id="{1D8BD707-D9CF-40AE-B4C6-C98DA3205C09}" type="datetimeFigureOut">
               <a:rPr lang="en-US" smtClean="0"/>
               <a:pPr/>
-              <a:t>9/25/2015</a:t>
+              <a:t>9/26/2015</a:t>
             </a:fld>
             <a:endParaRPr lang="en-US"/>
           </a:p>
@@ -1339,7 +1339,7 @@
             <a:fld id="{1D8BD707-D9CF-40AE-B4C6-C98DA3205C09}" type="datetimeFigureOut">
               <a:rPr lang="en-US" smtClean="0"/>
               <a:pPr/>
-              <a:t>9/25/2015</a:t>
+              <a:t>9/26/2015</a:t>
             </a:fld>
             <a:endParaRPr lang="en-US"/>
           </a:p>
@@ -1758,7 +1758,7 @@
             <a:fld id="{1D8BD707-D9CF-40AE-B4C6-C98DA3205C09}" type="datetimeFigureOut">
               <a:rPr lang="en-US" smtClean="0"/>
               <a:pPr/>
-              <a:t>9/25/2015</a:t>
+              <a:t>9/26/2015</a:t>
             </a:fld>
             <a:endParaRPr lang="en-US"/>
           </a:p>
@@ -1873,7 +1873,7 @@
             <a:fld id="{1D8BD707-D9CF-40AE-B4C6-C98DA3205C09}" type="datetimeFigureOut">
               <a:rPr lang="en-US" smtClean="0"/>
               <a:pPr/>
-              <a:t>9/25/2015</a:t>
+              <a:t>9/26/2015</a:t>
             </a:fld>
             <a:endParaRPr lang="en-US"/>
           </a:p>
@@ -1965,7 +1965,7 @@
             <a:fld id="{1D8BD707-D9CF-40AE-B4C6-C98DA3205C09}" type="datetimeFigureOut">
               <a:rPr lang="en-US" smtClean="0"/>
               <a:pPr/>
-              <a:t>9/25/2015</a:t>
+              <a:t>9/26/2015</a:t>
             </a:fld>
             <a:endParaRPr lang="en-US"/>
           </a:p>
@@ -2239,7 +2239,7 @@
             <a:fld id="{1D8BD707-D9CF-40AE-B4C6-C98DA3205C09}" type="datetimeFigureOut">
               <a:rPr lang="en-US" smtClean="0"/>
               <a:pPr/>
-              <a:t>9/25/2015</a:t>
+              <a:t>9/26/2015</a:t>
             </a:fld>
             <a:endParaRPr lang="en-US"/>
           </a:p>
@@ -2489,7 +2489,7 @@
             <a:fld id="{1D8BD707-D9CF-40AE-B4C6-C98DA3205C09}" type="datetimeFigureOut">
               <a:rPr lang="en-US" smtClean="0"/>
               <a:pPr/>
-              <a:t>9/25/2015</a:t>
+              <a:t>9/26/2015</a:t>
             </a:fld>
             <a:endParaRPr lang="en-US"/>
           </a:p>
@@ -2699,7 +2699,7 @@
             <a:fld id="{1D8BD707-D9CF-40AE-B4C6-C98DA3205C09}" type="datetimeFigureOut">
               <a:rPr lang="en-US" smtClean="0"/>
               <a:pPr/>
-              <a:t>9/25/2015</a:t>
+              <a:t>9/26/2015</a:t>
             </a:fld>
             <a:endParaRPr lang="en-US"/>
           </a:p>
@@ -4724,7 +4724,19 @@
           <a:p>
             <a:r>
               <a:rPr lang="en-US" dirty="0" smtClean="0"/>
-              <a:t>	25 / (40 + 10 )  = 0.5</a:t>
+              <a:t>	25 / (40 </a:t>
+            </a:r>
+            <a:r>
+              <a:rPr lang="en-US" dirty="0" smtClean="0"/>
+              <a:t>)  </a:t>
+            </a:r>
+            <a:r>
+              <a:rPr lang="en-US" dirty="0" smtClean="0"/>
+              <a:t>= </a:t>
+            </a:r>
+            <a:r>
+              <a:rPr lang="en-US" dirty="0" smtClean="0"/>
+              <a:t>0.63</a:t>
             </a:r>
             <a:endParaRPr lang="en-US" dirty="0"/>
           </a:p>
@@ -6380,7 +6392,7 @@
         <p:spPr>
           <a:xfrm>
             <a:off x="609600" y="3733800"/>
-            <a:ext cx="6648487" cy="1200329"/>
+            <a:ext cx="6239721" cy="1200329"/>
           </a:xfrm>
           <a:prstGeom prst="rect">
             <a:avLst/>
@@ -6401,16 +6413,33 @@
           <a:p>
             <a:r>
               <a:rPr lang="en-US" dirty="0" smtClean="0"/>
-              <a:t>Attack rate for not attending the fair: 10 / ( 10 + 110 )  = 0.077</a:t>
-            </a:r>
-          </a:p>
-          <a:p>
+              <a:t>Attack rate for not attending the fair: 10 / ( 10 + 110 )  = </a:t>
+            </a:r>
+            <a:r>
+              <a:rPr lang="en-US" dirty="0" smtClean="0"/>
+              <a:t>0.83</a:t>
+            </a:r>
             <a:endParaRPr lang="en-US" dirty="0" smtClean="0"/>
           </a:p>
           <a:p>
-            <a:r>
-              <a:rPr lang="en-US" dirty="0" smtClean="0"/>
-              <a:t>The relative risk is the ratio of these two numbers 0.67 / 0.077 = 8.67</a:t>
+            <a:endParaRPr lang="en-US" dirty="0" smtClean="0"/>
+          </a:p>
+          <a:p>
+            <a:r>
+              <a:rPr lang="en-US" dirty="0" smtClean="0"/>
+              <a:t>The relative risk is the ratio of these two numbers 0.67 / </a:t>
+            </a:r>
+            <a:r>
+              <a:rPr lang="en-US" dirty="0" smtClean="0"/>
+              <a:t>0.83 </a:t>
+            </a:r>
+            <a:r>
+              <a:rPr lang="en-US" dirty="0" smtClean="0"/>
+              <a:t>= </a:t>
+            </a:r>
+            <a:r>
+              <a:rPr lang="en-US" dirty="0" smtClean="0"/>
+              <a:t>8</a:t>
             </a:r>
             <a:endParaRPr lang="en-US" dirty="0"/>
           </a:p>
@@ -6707,7 +6736,11 @@
           <a:p>
             <a:r>
               <a:rPr lang="en-US" dirty="0" smtClean="0"/>
-              <a:t>The odds ratio is 2 / 0.09 = 22.2</a:t>
+              <a:t>The odds ratio is 2 / 0.09 = </a:t>
+            </a:r>
+            <a:r>
+              <a:rPr lang="en-US" dirty="0" smtClean="0"/>
+              <a:t>22</a:t>
             </a:r>
             <a:endParaRPr lang="en-US" dirty="0"/>
           </a:p>
